--- a/branches/extended/2-Java-Programmer-Modulo-II/01.Capitulo01.pptx
+++ b/branches/extended/2-Java-Programmer-Modulo-II/01.Capitulo01.pptx
@@ -268,7 +268,7 @@
               <a:pPr>
                 <a:defRPr/>
               </a:pPr>
-              <a:t>05/05/2012</a:t>
+              <a:t>24/09/2012</a:t>
             </a:fld>
             <a:endParaRPr lang="pt-BR"/>
           </a:p>
@@ -456,7 +456,7 @@
               <a:pPr>
                 <a:defRPr/>
               </a:pPr>
-              <a:t>‹nº›</a:t>
+              <a:t>‹#›</a:t>
             </a:fld>
             <a:endParaRPr lang="pt-BR"/>
           </a:p>
@@ -3404,7 +3404,7 @@
               <a:pPr>
                 <a:defRPr/>
               </a:pPr>
-              <a:t>05/05/2012</a:t>
+              <a:t>24/09/2012</a:t>
             </a:fld>
             <a:endParaRPr lang="pt-BR"/>
           </a:p>
@@ -3463,7 +3463,7 @@
               <a:pPr>
                 <a:defRPr/>
               </a:pPr>
-              <a:t>‹nº›</a:t>
+              <a:t>‹#›</a:t>
             </a:fld>
             <a:endParaRPr lang="pt-BR"/>
           </a:p>
@@ -3596,7 +3596,7 @@
               <a:pPr>
                 <a:defRPr/>
               </a:pPr>
-              <a:t>05/05/2012</a:t>
+              <a:t>24/09/2012</a:t>
             </a:fld>
             <a:endParaRPr lang="pt-BR"/>
           </a:p>
@@ -3655,7 +3655,7 @@
               <a:pPr>
                 <a:defRPr/>
               </a:pPr>
-              <a:t>‹nº›</a:t>
+              <a:t>‹#›</a:t>
             </a:fld>
             <a:endParaRPr lang="pt-BR"/>
           </a:p>
@@ -3798,7 +3798,7 @@
               <a:pPr>
                 <a:defRPr/>
               </a:pPr>
-              <a:t>05/05/2012</a:t>
+              <a:t>24/09/2012</a:t>
             </a:fld>
             <a:endParaRPr lang="pt-BR"/>
           </a:p>
@@ -3857,7 +3857,7 @@
               <a:pPr>
                 <a:defRPr/>
               </a:pPr>
-              <a:t>‹nº›</a:t>
+              <a:t>‹#›</a:t>
             </a:fld>
             <a:endParaRPr lang="pt-BR"/>
           </a:p>
@@ -3994,7 +3994,7 @@
               <a:pPr>
                 <a:defRPr/>
               </a:pPr>
-              <a:t>05/05/2012</a:t>
+              <a:t>24/09/2012</a:t>
             </a:fld>
             <a:endParaRPr lang="pt-BR"/>
           </a:p>
@@ -4053,7 +4053,7 @@
               <a:pPr>
                 <a:defRPr/>
               </a:pPr>
-              <a:t>‹nº›</a:t>
+              <a:t>‹#›</a:t>
             </a:fld>
             <a:endParaRPr lang="pt-BR"/>
           </a:p>
@@ -4500,7 +4500,7 @@
               <a:pPr>
                 <a:defRPr/>
               </a:pPr>
-              <a:t>05/05/2012</a:t>
+              <a:t>24/09/2012</a:t>
             </a:fld>
             <a:endParaRPr lang="pt-BR"/>
           </a:p>
@@ -4559,7 +4559,7 @@
               <a:pPr>
                 <a:defRPr/>
               </a:pPr>
-              <a:t>‹nº›</a:t>
+              <a:t>‹#›</a:t>
             </a:fld>
             <a:endParaRPr lang="pt-BR"/>
           </a:p>
@@ -4791,7 +4791,7 @@
               <a:pPr>
                 <a:defRPr/>
               </a:pPr>
-              <a:t>05/05/2012</a:t>
+              <a:t>24/09/2012</a:t>
             </a:fld>
             <a:endParaRPr lang="pt-BR"/>
           </a:p>
@@ -4850,7 +4850,7 @@
               <a:pPr>
                 <a:defRPr/>
               </a:pPr>
-              <a:t>‹nº›</a:t>
+              <a:t>‹#›</a:t>
             </a:fld>
             <a:endParaRPr lang="pt-BR"/>
           </a:p>
@@ -5192,7 +5192,7 @@
               <a:pPr>
                 <a:defRPr/>
               </a:pPr>
-              <a:t>05/05/2012</a:t>
+              <a:t>24/09/2012</a:t>
             </a:fld>
             <a:endParaRPr lang="pt-BR"/>
           </a:p>
@@ -5251,7 +5251,7 @@
               <a:pPr>
                 <a:defRPr/>
               </a:pPr>
-              <a:t>‹nº›</a:t>
+              <a:t>‹#›</a:t>
             </a:fld>
             <a:endParaRPr lang="pt-BR"/>
           </a:p>
@@ -5341,7 +5341,7 @@
               <a:pPr>
                 <a:defRPr/>
               </a:pPr>
-              <a:t>05/05/2012</a:t>
+              <a:t>24/09/2012</a:t>
             </a:fld>
             <a:endParaRPr lang="pt-BR"/>
           </a:p>
@@ -5400,7 +5400,7 @@
               <a:pPr>
                 <a:defRPr/>
               </a:pPr>
-              <a:t>‹nº›</a:t>
+              <a:t>‹#›</a:t>
             </a:fld>
             <a:endParaRPr lang="pt-BR"/>
           </a:p>
@@ -5458,7 +5458,7 @@
               <a:pPr>
                 <a:defRPr/>
               </a:pPr>
-              <a:t>05/05/2012</a:t>
+              <a:t>24/09/2012</a:t>
             </a:fld>
             <a:endParaRPr lang="pt-BR"/>
           </a:p>
@@ -5517,7 +5517,7 @@
               <a:pPr>
                 <a:defRPr/>
               </a:pPr>
-              <a:t>‹nº›</a:t>
+              <a:t>‹#›</a:t>
             </a:fld>
             <a:endParaRPr lang="pt-BR"/>
           </a:p>
@@ -5734,7 +5734,7 @@
               <a:pPr>
                 <a:defRPr/>
               </a:pPr>
-              <a:t>05/05/2012</a:t>
+              <a:t>24/09/2012</a:t>
             </a:fld>
             <a:endParaRPr lang="pt-BR"/>
           </a:p>
@@ -5798,7 +5798,7 @@
               <a:pPr>
                 <a:defRPr/>
               </a:pPr>
-              <a:t>‹nº›</a:t>
+              <a:t>‹#›</a:t>
             </a:fld>
             <a:endParaRPr lang="pt-BR"/>
           </a:p>
@@ -6018,7 +6018,7 @@
               <a:pPr>
                 <a:defRPr/>
               </a:pPr>
-              <a:t>05/05/2012</a:t>
+              <a:t>24/09/2012</a:t>
             </a:fld>
             <a:endParaRPr lang="pt-BR"/>
           </a:p>
@@ -6077,7 +6077,7 @@
               <a:pPr>
                 <a:defRPr/>
               </a:pPr>
-              <a:t>‹nº›</a:t>
+              <a:t>‹#›</a:t>
             </a:fld>
             <a:endParaRPr lang="pt-BR"/>
           </a:p>
@@ -6346,7 +6346,7 @@
         <p:spPr bwMode="auto">
           <a:xfrm>
             <a:off x="457200" y="274638"/>
-            <a:ext cx="7467600" cy="1143000"/>
+            <a:ext cx="8258204" cy="1143000"/>
           </a:xfrm>
           <a:prstGeom prst="rect">
             <a:avLst/>
@@ -6369,10 +6369,10 @@
           <a:p>
             <a:pPr lvl="0"/>
             <a:r>
-              <a:rPr lang="pt-BR" smtClean="0"/>
+              <a:rPr lang="pt-BR" dirty="0" smtClean="0"/>
               <a:t>Clique para editar o estilo do título mestre</a:t>
             </a:r>
-            <a:endParaRPr lang="en-US" smtClean="0"/>
+            <a:endParaRPr lang="en-US" dirty="0" smtClean="0"/>
           </a:p>
         </p:txBody>
       </p:sp>
@@ -6496,7 +6496,7 @@
               <a:pPr>
                 <a:defRPr/>
               </a:pPr>
-              <a:t>05/05/2012</a:t>
+              <a:t>24/09/2012</a:t>
             </a:fld>
             <a:endParaRPr lang="pt-BR"/>
           </a:p>
@@ -6599,7 +6599,7 @@
               <a:pPr>
                 <a:defRPr/>
               </a:pPr>
-              <a:t>‹nº›</a:t>
+              <a:t>‹#›</a:t>
             </a:fld>
             <a:endParaRPr lang="pt-BR"/>
           </a:p>
@@ -8885,7 +8885,7 @@
           <a:p>
             <a:pPr eaLnBrk="1" hangingPunct="1"/>
             <a:r>
-              <a:rPr lang="pt-BR" dirty="0" smtClean="0"/>
+              <a:rPr lang="pt-BR" sz="4400" dirty="0" smtClean="0"/>
               <a:t>Classe interna anônima (exemplo)</a:t>
             </a:r>
           </a:p>
